--- a/Trabajo_BigData.pptx
+++ b/Trabajo_BigData.pptx
@@ -3639,38 +3639,356 @@
           <a:bodyPr/>
           <a:lstStyle/>
           <a:p>
-            <a:r>
-              <a:rPr lang="es-ES" sz="1800" b="0" i="0" u="none" strike="noStrike" baseline="0" dirty="0">
-                <a:latin typeface="ArialMT"/>
+            <a:endParaRPr lang="es-CL" dirty="0"/>
+          </a:p>
+        </p:txBody>
+      </p:sp>
+      <p:sp>
+        <p:nvSpPr>
+          <p:cNvPr id="3" name="Marcador de contenido 2">
+            <a:extLst>
+              <a:ext uri="{FF2B5EF4-FFF2-40B4-BE49-F238E27FC236}">
+                <a16:creationId xmlns:a16="http://schemas.microsoft.com/office/drawing/2014/main" id="{E4CDA670-AC48-4A83-A4DC-9BA0DA50CCF7}"/>
+              </a:ext>
+            </a:extLst>
+          </p:cNvPr>
+          <p:cNvSpPr>
+            <a:spLocks noGrp="1"/>
+          </p:cNvSpPr>
+          <p:nvPr>
+            <p:ph idx="1"/>
+          </p:nvPr>
+        </p:nvSpPr>
+        <p:spPr/>
+        <p:txBody>
+          <a:bodyPr>
+            <a:normAutofit fontScale="85000" lnSpcReduction="10000"/>
+          </a:bodyPr>
+          <a:lstStyle/>
+          <a:p>
+            <a:pPr marL="0" marR="0" lvl="0" indent="0" algn="just">
+              <a:lnSpc>
+                <a:spcPct val="115000"/>
+              </a:lnSpc>
+              <a:spcBef>
+                <a:spcPts val="0"/>
+              </a:spcBef>
+              <a:spcAft>
+                <a:spcPts val="0"/>
+              </a:spcAft>
+              <a:buNone/>
+            </a:pPr>
+            <a:r>
+              <a:rPr lang="es-ES" sz="1800" u="none" strike="noStrike" dirty="0">
+                <a:effectLst/>
+                <a:latin typeface="Arial" panose="020B0604020202020204" pitchFamily="34" charset="0"/>
+                <a:ea typeface="Arial" panose="020B0604020202020204" pitchFamily="34" charset="0"/>
               </a:rPr>
-              <a:t>Objetivos que se plantearon, los cuales se establecieron en la primera tarea</a:t>
-            </a:r>
+              <a:t>Objetivo general: </a:t>
+            </a:r>
+            <a:endParaRPr lang="es-CL" sz="1800" u="none" strike="noStrike" dirty="0">
+              <a:effectLst/>
+              <a:latin typeface="Arial" panose="020B0604020202020204" pitchFamily="34" charset="0"/>
+              <a:ea typeface="Arial" panose="020B0604020202020204" pitchFamily="34" charset="0"/>
+            </a:endParaRPr>
+          </a:p>
+          <a:p>
+            <a:pPr marL="0" marR="0" algn="just">
+              <a:lnSpc>
+                <a:spcPct val="115000"/>
+              </a:lnSpc>
+              <a:spcBef>
+                <a:spcPts val="1200"/>
+              </a:spcBef>
+              <a:spcAft>
+                <a:spcPts val="1200"/>
+              </a:spcAft>
+            </a:pPr>
+            <a:r>
+              <a:rPr lang="es-ES" sz="1800" dirty="0">
+                <a:effectLst/>
+                <a:latin typeface="Arial" panose="020B0604020202020204" pitchFamily="34" charset="0"/>
+                <a:ea typeface="Arial" panose="020B0604020202020204" pitchFamily="34" charset="0"/>
+              </a:rPr>
+              <a:t>Extraer y analizar datos e información pertinente de transmisiones de “</a:t>
+            </a:r>
+            <a:r>
+              <a:rPr lang="es-ES" sz="1800" dirty="0" err="1">
+                <a:effectLst/>
+                <a:latin typeface="Arial" panose="020B0604020202020204" pitchFamily="34" charset="0"/>
+                <a:ea typeface="Arial" panose="020B0604020202020204" pitchFamily="34" charset="0"/>
+              </a:rPr>
+              <a:t>streamers</a:t>
+            </a:r>
+            <a:r>
+              <a:rPr lang="es-ES" sz="1800" dirty="0">
+                <a:effectLst/>
+                <a:latin typeface="Arial" panose="020B0604020202020204" pitchFamily="34" charset="0"/>
+                <a:ea typeface="Arial" panose="020B0604020202020204" pitchFamily="34" charset="0"/>
+              </a:rPr>
+              <a:t>” populares y de vídeos de canales populares actualmente en la plataforma Twitch.tv. </a:t>
+            </a:r>
+            <a:endParaRPr lang="es-CL" sz="1800" dirty="0">
+              <a:effectLst/>
+              <a:latin typeface="Arial" panose="020B0604020202020204" pitchFamily="34" charset="0"/>
+              <a:ea typeface="Arial" panose="020B0604020202020204" pitchFamily="34" charset="0"/>
+            </a:endParaRPr>
+          </a:p>
+          <a:p>
+            <a:pPr marL="0" marR="0" lvl="0" indent="0" algn="just">
+              <a:lnSpc>
+                <a:spcPct val="115000"/>
+              </a:lnSpc>
+              <a:spcBef>
+                <a:spcPts val="0"/>
+              </a:spcBef>
+              <a:spcAft>
+                <a:spcPts val="0"/>
+              </a:spcAft>
+              <a:buNone/>
+            </a:pPr>
+            <a:r>
+              <a:rPr lang="es-ES" sz="1800" u="none" strike="noStrike" dirty="0">
+                <a:effectLst/>
+                <a:latin typeface="Arial" panose="020B0604020202020204" pitchFamily="34" charset="0"/>
+                <a:ea typeface="Arial" panose="020B0604020202020204" pitchFamily="34" charset="0"/>
+              </a:rPr>
+              <a:t>Objetivos específicos:</a:t>
+            </a:r>
+            <a:endParaRPr lang="es-CL" sz="1800" u="none" strike="noStrike" dirty="0">
+              <a:effectLst/>
+              <a:latin typeface="Arial" panose="020B0604020202020204" pitchFamily="34" charset="0"/>
+              <a:ea typeface="Arial" panose="020B0604020202020204" pitchFamily="34" charset="0"/>
+            </a:endParaRPr>
+          </a:p>
+          <a:p>
+            <a:pPr marL="0" marR="0" algn="just">
+              <a:lnSpc>
+                <a:spcPct val="115000"/>
+              </a:lnSpc>
+              <a:spcBef>
+                <a:spcPts val="1200"/>
+              </a:spcBef>
+              <a:spcAft>
+                <a:spcPts val="1200"/>
+              </a:spcAft>
+            </a:pPr>
+            <a:r>
+              <a:rPr lang="es-ES" sz="1800" dirty="0">
+                <a:effectLst/>
+                <a:latin typeface="Arial" panose="020B0604020202020204" pitchFamily="34" charset="0"/>
+                <a:ea typeface="Arial" panose="020B0604020202020204" pitchFamily="34" charset="0"/>
+              </a:rPr>
+              <a:t>Identificar cuántas horas promedio se transmiten y cuántas horas se ven las transmisiones en los canales más populares de </a:t>
+            </a:r>
+            <a:r>
+              <a:rPr lang="es-ES" sz="1800" dirty="0" err="1">
+                <a:effectLst/>
+                <a:latin typeface="Arial" panose="020B0604020202020204" pitchFamily="34" charset="0"/>
+                <a:ea typeface="Arial" panose="020B0604020202020204" pitchFamily="34" charset="0"/>
+              </a:rPr>
+              <a:t>Twitch</a:t>
+            </a:r>
+            <a:r>
+              <a:rPr lang="es-ES" sz="1800" dirty="0">
+                <a:effectLst/>
+                <a:latin typeface="Arial" panose="020B0604020202020204" pitchFamily="34" charset="0"/>
+                <a:ea typeface="Arial" panose="020B0604020202020204" pitchFamily="34" charset="0"/>
+              </a:rPr>
+              <a:t>.</a:t>
+            </a:r>
+            <a:endParaRPr lang="es-CL" sz="1800" dirty="0">
+              <a:effectLst/>
+              <a:latin typeface="Arial" panose="020B0604020202020204" pitchFamily="34" charset="0"/>
+              <a:ea typeface="Arial" panose="020B0604020202020204" pitchFamily="34" charset="0"/>
+            </a:endParaRPr>
+          </a:p>
+          <a:p>
+            <a:pPr marL="0" marR="0" algn="just">
+              <a:lnSpc>
+                <a:spcPct val="115000"/>
+              </a:lnSpc>
+              <a:spcBef>
+                <a:spcPts val="1200"/>
+              </a:spcBef>
+              <a:spcAft>
+                <a:spcPts val="1200"/>
+              </a:spcAft>
+            </a:pPr>
+            <a:r>
+              <a:rPr lang="es-ES" sz="1800" dirty="0">
+                <a:effectLst/>
+                <a:latin typeface="Arial" panose="020B0604020202020204" pitchFamily="34" charset="0"/>
+                <a:ea typeface="Arial" panose="020B0604020202020204" pitchFamily="34" charset="0"/>
+              </a:rPr>
+              <a:t>Identificar la periodicidad con la cual transmiten los personajes más populares de </a:t>
+            </a:r>
+            <a:r>
+              <a:rPr lang="es-ES" sz="1800" dirty="0" err="1">
+                <a:effectLst/>
+                <a:latin typeface="Arial" panose="020B0604020202020204" pitchFamily="34" charset="0"/>
+                <a:ea typeface="Arial" panose="020B0604020202020204" pitchFamily="34" charset="0"/>
+              </a:rPr>
+              <a:t>Twitch</a:t>
+            </a:r>
+            <a:r>
+              <a:rPr lang="es-ES" sz="1800" dirty="0">
+                <a:effectLst/>
+                <a:latin typeface="Arial" panose="020B0604020202020204" pitchFamily="34" charset="0"/>
+                <a:ea typeface="Arial" panose="020B0604020202020204" pitchFamily="34" charset="0"/>
+              </a:rPr>
+              <a:t>.</a:t>
+            </a:r>
+            <a:endParaRPr lang="es-CL" sz="1800" dirty="0">
+              <a:effectLst/>
+              <a:latin typeface="Arial" panose="020B0604020202020204" pitchFamily="34" charset="0"/>
+              <a:ea typeface="Arial" panose="020B0604020202020204" pitchFamily="34" charset="0"/>
+            </a:endParaRPr>
+          </a:p>
+          <a:p>
+            <a:pPr marL="0" marR="0" algn="just">
+              <a:lnSpc>
+                <a:spcPct val="115000"/>
+              </a:lnSpc>
+              <a:spcBef>
+                <a:spcPts val="1200"/>
+              </a:spcBef>
+              <a:spcAft>
+                <a:spcPts val="1200"/>
+              </a:spcAft>
+            </a:pPr>
+            <a:r>
+              <a:rPr lang="es-ES" sz="1800" dirty="0">
+                <a:effectLst/>
+                <a:latin typeface="Arial" panose="020B0604020202020204" pitchFamily="34" charset="0"/>
+                <a:ea typeface="Arial" panose="020B0604020202020204" pitchFamily="34" charset="0"/>
+              </a:rPr>
+              <a:t>Identificar el número promedio de </a:t>
+            </a:r>
+            <a:r>
+              <a:rPr lang="es-ES" sz="1800" dirty="0" err="1">
+                <a:effectLst/>
+                <a:latin typeface="Arial" panose="020B0604020202020204" pitchFamily="34" charset="0"/>
+                <a:ea typeface="Arial" panose="020B0604020202020204" pitchFamily="34" charset="0"/>
+              </a:rPr>
+              <a:t>viewers</a:t>
+            </a:r>
+            <a:r>
+              <a:rPr lang="es-ES" sz="1800" dirty="0">
+                <a:effectLst/>
+                <a:latin typeface="Arial" panose="020B0604020202020204" pitchFamily="34" charset="0"/>
+                <a:ea typeface="Arial" panose="020B0604020202020204" pitchFamily="34" charset="0"/>
+              </a:rPr>
+              <a:t> de los “</a:t>
+            </a:r>
+            <a:r>
+              <a:rPr lang="es-ES" sz="1800" dirty="0" err="1">
+                <a:effectLst/>
+                <a:latin typeface="Arial" panose="020B0604020202020204" pitchFamily="34" charset="0"/>
+                <a:ea typeface="Arial" panose="020B0604020202020204" pitchFamily="34" charset="0"/>
+              </a:rPr>
+              <a:t>streamers</a:t>
+            </a:r>
+            <a:r>
+              <a:rPr lang="es-ES" sz="1800" dirty="0">
+                <a:effectLst/>
+                <a:latin typeface="Arial" panose="020B0604020202020204" pitchFamily="34" charset="0"/>
+                <a:ea typeface="Arial" panose="020B0604020202020204" pitchFamily="34" charset="0"/>
+              </a:rPr>
+              <a:t>” y canales más populares en la plataforma.</a:t>
+            </a:r>
+            <a:endParaRPr lang="es-CL" sz="1800" dirty="0">
+              <a:effectLst/>
+              <a:latin typeface="Arial" panose="020B0604020202020204" pitchFamily="34" charset="0"/>
+              <a:ea typeface="Arial" panose="020B0604020202020204" pitchFamily="34" charset="0"/>
+            </a:endParaRPr>
+          </a:p>
+          <a:p>
+            <a:pPr marL="0" marR="0" algn="just">
+              <a:lnSpc>
+                <a:spcPct val="115000"/>
+              </a:lnSpc>
+              <a:spcBef>
+                <a:spcPts val="1200"/>
+              </a:spcBef>
+              <a:spcAft>
+                <a:spcPts val="1200"/>
+              </a:spcAft>
+            </a:pPr>
+            <a:r>
+              <a:rPr lang="es-ES" sz="1800" dirty="0">
+                <a:effectLst/>
+                <a:latin typeface="Arial" panose="020B0604020202020204" pitchFamily="34" charset="0"/>
+                <a:ea typeface="Arial" panose="020B0604020202020204" pitchFamily="34" charset="0"/>
+              </a:rPr>
+              <a:t>Investigar cuánto ganan aproximadamente los “</a:t>
+            </a:r>
+            <a:r>
+              <a:rPr lang="es-ES" sz="1800" dirty="0" err="1">
+                <a:effectLst/>
+                <a:latin typeface="Arial" panose="020B0604020202020204" pitchFamily="34" charset="0"/>
+                <a:ea typeface="Arial" panose="020B0604020202020204" pitchFamily="34" charset="0"/>
+              </a:rPr>
+              <a:t>streamers</a:t>
+            </a:r>
+            <a:r>
+              <a:rPr lang="es-ES" sz="1800" dirty="0">
+                <a:effectLst/>
+                <a:latin typeface="Arial" panose="020B0604020202020204" pitchFamily="34" charset="0"/>
+                <a:ea typeface="Arial" panose="020B0604020202020204" pitchFamily="34" charset="0"/>
+              </a:rPr>
+              <a:t>” y canales más populares de </a:t>
+            </a:r>
+            <a:r>
+              <a:rPr lang="es-ES" sz="1800" dirty="0" err="1">
+                <a:effectLst/>
+                <a:latin typeface="Arial" panose="020B0604020202020204" pitchFamily="34" charset="0"/>
+                <a:ea typeface="Arial" panose="020B0604020202020204" pitchFamily="34" charset="0"/>
+              </a:rPr>
+              <a:t>Twitch</a:t>
+            </a:r>
+            <a:r>
+              <a:rPr lang="es-ES" sz="1800" dirty="0">
+                <a:effectLst/>
+                <a:latin typeface="Arial" panose="020B0604020202020204" pitchFamily="34" charset="0"/>
+                <a:ea typeface="Arial" panose="020B0604020202020204" pitchFamily="34" charset="0"/>
+              </a:rPr>
+              <a:t>.</a:t>
+            </a:r>
+            <a:endParaRPr lang="es-CL" sz="1800" dirty="0">
+              <a:effectLst/>
+              <a:latin typeface="Arial" panose="020B0604020202020204" pitchFamily="34" charset="0"/>
+              <a:ea typeface="Arial" panose="020B0604020202020204" pitchFamily="34" charset="0"/>
+            </a:endParaRPr>
+          </a:p>
+          <a:p>
+            <a:pPr marL="0" marR="0" algn="just">
+              <a:lnSpc>
+                <a:spcPct val="115000"/>
+              </a:lnSpc>
+              <a:spcBef>
+                <a:spcPts val="1200"/>
+              </a:spcBef>
+              <a:spcAft>
+                <a:spcPts val="1200"/>
+              </a:spcAft>
+            </a:pPr>
+            <a:r>
+              <a:rPr lang="es-ES" sz="1800" dirty="0">
+                <a:effectLst/>
+                <a:latin typeface="Arial" panose="020B0604020202020204" pitchFamily="34" charset="0"/>
+                <a:ea typeface="Arial" panose="020B0604020202020204" pitchFamily="34" charset="0"/>
+              </a:rPr>
+              <a:t>Investigar cuáles son los juegos y tópicos más populares en la plataforma.</a:t>
+            </a:r>
+            <a:endParaRPr lang="es-CL" sz="1800" dirty="0">
+              <a:effectLst/>
+              <a:latin typeface="Arial" panose="020B0604020202020204" pitchFamily="34" charset="0"/>
+              <a:ea typeface="Arial" panose="020B0604020202020204" pitchFamily="34" charset="0"/>
+            </a:endParaRPr>
+          </a:p>
+          <a:p>
             <a:endParaRPr lang="es-CL" dirty="0"/>
-          </a:p>
-        </p:txBody>
-      </p:sp>
-      <p:sp>
-        <p:nvSpPr>
-          <p:cNvPr id="3" name="Marcador de contenido 2">
-            <a:extLst>
-              <a:ext uri="{FF2B5EF4-FFF2-40B4-BE49-F238E27FC236}">
-                <a16:creationId xmlns:a16="http://schemas.microsoft.com/office/drawing/2014/main" id="{E4CDA670-AC48-4A83-A4DC-9BA0DA50CCF7}"/>
-              </a:ext>
-            </a:extLst>
-          </p:cNvPr>
-          <p:cNvSpPr>
-            <a:spLocks noGrp="1"/>
-          </p:cNvSpPr>
-          <p:nvPr>
-            <p:ph idx="1"/>
-          </p:nvPr>
-        </p:nvSpPr>
-        <p:spPr/>
-        <p:txBody>
-          <a:bodyPr/>
-          <a:lstStyle/>
-          <a:p>
-            <a:endParaRPr lang="es-CL"/>
           </a:p>
         </p:txBody>
       </p:sp>

--- a/Trabajo_BigData.pptx
+++ b/Trabajo_BigData.pptx
@@ -2,7 +2,7 @@
 <file path=ppt/presentation.xml><?xml version="1.0" encoding="utf-8"?>
 <p:presentation xmlns:a="http://schemas.openxmlformats.org/drawingml/2006/main" xmlns:r="http://schemas.openxmlformats.org/officeDocument/2006/relationships" xmlns:p="http://schemas.openxmlformats.org/presentationml/2006/main" saveSubsetFonts="1">
   <p:sldMasterIdLst>
-    <p:sldMasterId id="2147483660" r:id="rId1"/>
+    <p:sldMasterId id="2147483678" r:id="rId1"/>
   </p:sldMasterIdLst>
   <p:sldIdLst>
     <p:sldId id="256" r:id="rId2"/>
@@ -122,7 +122,7 @@
 </file>
 
 <file path=ppt/slideLayouts/slideLayout1.xml><?xml version="1.0" encoding="utf-8"?>
-<p:sldLayout xmlns:a="http://schemas.openxmlformats.org/drawingml/2006/main" xmlns:r="http://schemas.openxmlformats.org/officeDocument/2006/relationships" xmlns:p="http://schemas.openxmlformats.org/presentationml/2006/main" showMasterSp="0" type="title" preserve="1">
+<p:sldLayout xmlns:a="http://schemas.openxmlformats.org/drawingml/2006/main" xmlns:r="http://schemas.openxmlformats.org/officeDocument/2006/relationships" xmlns:p="http://schemas.openxmlformats.org/presentationml/2006/main" type="title" preserve="1">
   <p:cSld name="Diapositiva de título">
     <p:spTree>
       <p:nvGrpSpPr>
@@ -563,7 +563,7 @@
     </p:spTree>
     <p:extLst>
       <p:ext uri="{BB962C8B-B14F-4D97-AF65-F5344CB8AC3E}">
-        <p14:creationId xmlns:p14="http://schemas.microsoft.com/office/powerpoint/2010/main" val="489813963"/>
+        <p14:creationId xmlns:p14="http://schemas.microsoft.com/office/powerpoint/2010/main" val="1302199397"/>
       </p:ext>
     </p:extLst>
   </p:cSld>
@@ -1631,7 +1631,7 @@
     </p:spTree>
     <p:extLst>
       <p:ext uri="{BB962C8B-B14F-4D97-AF65-F5344CB8AC3E}">
-        <p14:creationId xmlns:p14="http://schemas.microsoft.com/office/powerpoint/2010/main" val="1435004419"/>
+        <p14:creationId xmlns:p14="http://schemas.microsoft.com/office/powerpoint/2010/main" val="2337387965"/>
       </p:ext>
     </p:extLst>
   </p:cSld>
@@ -1642,7 +1642,7 @@
 </file>
 
 <file path=ppt/slideLayouts/slideLayout11.xml><?xml version="1.0" encoding="utf-8"?>
-<p:sldLayout xmlns:a="http://schemas.openxmlformats.org/drawingml/2006/main" xmlns:r="http://schemas.openxmlformats.org/officeDocument/2006/relationships" xmlns:p="http://schemas.openxmlformats.org/presentationml/2006/main" showMasterSp="0" preserve="1">
+<p:sldLayout xmlns:a="http://schemas.openxmlformats.org/drawingml/2006/main" xmlns:r="http://schemas.openxmlformats.org/officeDocument/2006/relationships" xmlns:p="http://schemas.openxmlformats.org/presentationml/2006/main" preserve="1">
   <p:cSld name="Título y descripción">
     <p:spTree>
       <p:nvGrpSpPr>
@@ -2611,7 +2611,7 @@
     </p:spTree>
     <p:extLst>
       <p:ext uri="{BB962C8B-B14F-4D97-AF65-F5344CB8AC3E}">
-        <p14:creationId xmlns:p14="http://schemas.microsoft.com/office/powerpoint/2010/main" val="3078481600"/>
+        <p14:creationId xmlns:p14="http://schemas.microsoft.com/office/powerpoint/2010/main" val="888982134"/>
       </p:ext>
     </p:extLst>
   </p:cSld>
@@ -2622,7 +2622,7 @@
 </file>
 
 <file path=ppt/slideLayouts/slideLayout12.xml><?xml version="1.0" encoding="utf-8"?>
-<p:sldLayout xmlns:a="http://schemas.openxmlformats.org/drawingml/2006/main" xmlns:r="http://schemas.openxmlformats.org/officeDocument/2006/relationships" xmlns:p="http://schemas.openxmlformats.org/presentationml/2006/main" showMasterSp="0" preserve="1">
+<p:sldLayout xmlns:a="http://schemas.openxmlformats.org/drawingml/2006/main" xmlns:r="http://schemas.openxmlformats.org/officeDocument/2006/relationships" xmlns:p="http://schemas.openxmlformats.org/presentationml/2006/main" preserve="1">
   <p:cSld name="Cita con descripción">
     <p:spTree>
       <p:nvGrpSpPr>
@@ -3745,7 +3745,7 @@
     </p:spTree>
     <p:extLst>
       <p:ext uri="{BB962C8B-B14F-4D97-AF65-F5344CB8AC3E}">
-        <p14:creationId xmlns:p14="http://schemas.microsoft.com/office/powerpoint/2010/main" val="1017001745"/>
+        <p14:creationId xmlns:p14="http://schemas.microsoft.com/office/powerpoint/2010/main" val="2511979630"/>
       </p:ext>
     </p:extLst>
   </p:cSld>
@@ -3756,7 +3756,7 @@
 </file>
 
 <file path=ppt/slideLayouts/slideLayout13.xml><?xml version="1.0" encoding="utf-8"?>
-<p:sldLayout xmlns:a="http://schemas.openxmlformats.org/drawingml/2006/main" xmlns:r="http://schemas.openxmlformats.org/officeDocument/2006/relationships" xmlns:p="http://schemas.openxmlformats.org/presentationml/2006/main" showMasterSp="0" preserve="1">
+<p:sldLayout xmlns:a="http://schemas.openxmlformats.org/drawingml/2006/main" xmlns:r="http://schemas.openxmlformats.org/officeDocument/2006/relationships" xmlns:p="http://schemas.openxmlformats.org/presentationml/2006/main" preserve="1">
   <p:cSld name="Tarjeta de nombre">
     <p:spTree>
       <p:nvGrpSpPr>
@@ -4778,7 +4778,7 @@
     </p:spTree>
     <p:extLst>
       <p:ext uri="{BB962C8B-B14F-4D97-AF65-F5344CB8AC3E}">
-        <p14:creationId xmlns:p14="http://schemas.microsoft.com/office/powerpoint/2010/main" val="2362138566"/>
+        <p14:creationId xmlns:p14="http://schemas.microsoft.com/office/powerpoint/2010/main" val="3658553285"/>
       </p:ext>
     </p:extLst>
   </p:cSld>
@@ -5402,7 +5402,7 @@
     </p:spTree>
     <p:extLst>
       <p:ext uri="{BB962C8B-B14F-4D97-AF65-F5344CB8AC3E}">
-        <p14:creationId xmlns:p14="http://schemas.microsoft.com/office/powerpoint/2010/main" val="3949307797"/>
+        <p14:creationId xmlns:p14="http://schemas.microsoft.com/office/powerpoint/2010/main" val="313710329"/>
       </p:ext>
     </p:extLst>
   </p:cSld>
@@ -6268,7 +6268,7 @@
     </p:spTree>
     <p:extLst>
       <p:ext uri="{BB962C8B-B14F-4D97-AF65-F5344CB8AC3E}">
-        <p14:creationId xmlns:p14="http://schemas.microsoft.com/office/powerpoint/2010/main" val="2697690443"/>
+        <p14:creationId xmlns:p14="http://schemas.microsoft.com/office/powerpoint/2010/main" val="436436180"/>
       </p:ext>
     </p:extLst>
   </p:cSld>
@@ -6453,7 +6453,7 @@
     </p:spTree>
     <p:extLst>
       <p:ext uri="{BB962C8B-B14F-4D97-AF65-F5344CB8AC3E}">
-        <p14:creationId xmlns:p14="http://schemas.microsoft.com/office/powerpoint/2010/main" val="3563049796"/>
+        <p14:creationId xmlns:p14="http://schemas.microsoft.com/office/powerpoint/2010/main" val="2073310152"/>
       </p:ext>
     </p:extLst>
   </p:cSld>
@@ -6464,7 +6464,7 @@
 </file>
 
 <file path=ppt/slideLayouts/slideLayout17.xml><?xml version="1.0" encoding="utf-8"?>
-<p:sldLayout xmlns:a="http://schemas.openxmlformats.org/drawingml/2006/main" xmlns:r="http://schemas.openxmlformats.org/officeDocument/2006/relationships" xmlns:p="http://schemas.openxmlformats.org/presentationml/2006/main" showMasterSp="0" type="vertTitleAndTx" preserve="1">
+<p:sldLayout xmlns:a="http://schemas.openxmlformats.org/drawingml/2006/main" xmlns:r="http://schemas.openxmlformats.org/officeDocument/2006/relationships" xmlns:p="http://schemas.openxmlformats.org/presentationml/2006/main" type="vertTitleAndTx" preserve="1">
   <p:cSld name="Título vertical y texto">
     <p:spTree>
       <p:nvGrpSpPr>
@@ -7461,7 +7461,7 @@
     </p:spTree>
     <p:extLst>
       <p:ext uri="{BB962C8B-B14F-4D97-AF65-F5344CB8AC3E}">
-        <p14:creationId xmlns:p14="http://schemas.microsoft.com/office/powerpoint/2010/main" val="2570218914"/>
+        <p14:creationId xmlns:p14="http://schemas.microsoft.com/office/powerpoint/2010/main" val="3883003933"/>
       </p:ext>
     </p:extLst>
   </p:cSld>
@@ -7636,7 +7636,7 @@
     </p:spTree>
     <p:extLst>
       <p:ext uri="{BB962C8B-B14F-4D97-AF65-F5344CB8AC3E}">
-        <p14:creationId xmlns:p14="http://schemas.microsoft.com/office/powerpoint/2010/main" val="2771012935"/>
+        <p14:creationId xmlns:p14="http://schemas.microsoft.com/office/powerpoint/2010/main" val="197321842"/>
       </p:ext>
     </p:extLst>
   </p:cSld>
@@ -7647,7 +7647,7 @@
 </file>
 
 <file path=ppt/slideLayouts/slideLayout3.xml><?xml version="1.0" encoding="utf-8"?>
-<p:sldLayout xmlns:a="http://schemas.openxmlformats.org/drawingml/2006/main" xmlns:r="http://schemas.openxmlformats.org/officeDocument/2006/relationships" xmlns:p="http://schemas.openxmlformats.org/presentationml/2006/main" showMasterSp="0" type="secHead" preserve="1">
+<p:sldLayout xmlns:a="http://schemas.openxmlformats.org/drawingml/2006/main" xmlns:r="http://schemas.openxmlformats.org/officeDocument/2006/relationships" xmlns:p="http://schemas.openxmlformats.org/presentationml/2006/main" type="secHead" preserve="1">
   <p:cSld name="Encabezado de sección">
     <p:spTree>
       <p:nvGrpSpPr>
@@ -8706,7 +8706,7 @@
     </p:spTree>
     <p:extLst>
       <p:ext uri="{BB962C8B-B14F-4D97-AF65-F5344CB8AC3E}">
-        <p14:creationId xmlns:p14="http://schemas.microsoft.com/office/powerpoint/2010/main" val="3005697567"/>
+        <p14:creationId xmlns:p14="http://schemas.microsoft.com/office/powerpoint/2010/main" val="3576773134"/>
       </p:ext>
     </p:extLst>
   </p:cSld>
@@ -8942,7 +8942,7 @@
     </p:spTree>
     <p:extLst>
       <p:ext uri="{BB962C8B-B14F-4D97-AF65-F5344CB8AC3E}">
-        <p14:creationId xmlns:p14="http://schemas.microsoft.com/office/powerpoint/2010/main" val="2405804678"/>
+        <p14:creationId xmlns:p14="http://schemas.microsoft.com/office/powerpoint/2010/main" val="650241804"/>
       </p:ext>
     </p:extLst>
   </p:cSld>
@@ -9352,7 +9352,7 @@
     </p:spTree>
     <p:extLst>
       <p:ext uri="{BB962C8B-B14F-4D97-AF65-F5344CB8AC3E}">
-        <p14:creationId xmlns:p14="http://schemas.microsoft.com/office/powerpoint/2010/main" val="3206759650"/>
+        <p14:creationId xmlns:p14="http://schemas.microsoft.com/office/powerpoint/2010/main" val="1216399023"/>
       </p:ext>
     </p:extLst>
   </p:cSld>
@@ -9479,7 +9479,7 @@
     </p:spTree>
     <p:extLst>
       <p:ext uri="{BB962C8B-B14F-4D97-AF65-F5344CB8AC3E}">
-        <p14:creationId xmlns:p14="http://schemas.microsoft.com/office/powerpoint/2010/main" val="3550368176"/>
+        <p14:creationId xmlns:p14="http://schemas.microsoft.com/office/powerpoint/2010/main" val="1351315724"/>
       </p:ext>
     </p:extLst>
   </p:cSld>
@@ -9490,7 +9490,7 @@
 </file>
 
 <file path=ppt/slideLayouts/slideLayout7.xml><?xml version="1.0" encoding="utf-8"?>
-<p:sldLayout xmlns:a="http://schemas.openxmlformats.org/drawingml/2006/main" xmlns:r="http://schemas.openxmlformats.org/officeDocument/2006/relationships" xmlns:p="http://schemas.openxmlformats.org/presentationml/2006/main" showMasterSp="0" type="blank" preserve="1">
+<p:sldLayout xmlns:a="http://schemas.openxmlformats.org/drawingml/2006/main" xmlns:r="http://schemas.openxmlformats.org/officeDocument/2006/relationships" xmlns:p="http://schemas.openxmlformats.org/presentationml/2006/main" type="blank" preserve="1">
   <p:cSld name="En blanco">
     <p:spTree>
       <p:nvGrpSpPr>
@@ -9610,7 +9610,7 @@
     </p:spTree>
     <p:extLst>
       <p:ext uri="{BB962C8B-B14F-4D97-AF65-F5344CB8AC3E}">
-        <p14:creationId xmlns:p14="http://schemas.microsoft.com/office/powerpoint/2010/main" val="2841911321"/>
+        <p14:creationId xmlns:p14="http://schemas.microsoft.com/office/powerpoint/2010/main" val="439405694"/>
       </p:ext>
     </p:extLst>
   </p:cSld>
@@ -9621,7 +9621,7 @@
 </file>
 
 <file path=ppt/slideLayouts/slideLayout8.xml><?xml version="1.0" encoding="utf-8"?>
-<p:sldLayout xmlns:a="http://schemas.openxmlformats.org/drawingml/2006/main" xmlns:r="http://schemas.openxmlformats.org/officeDocument/2006/relationships" xmlns:p="http://schemas.openxmlformats.org/presentationml/2006/main" showMasterSp="0" type="objTx" preserve="1">
+<p:sldLayout xmlns:a="http://schemas.openxmlformats.org/drawingml/2006/main" xmlns:r="http://schemas.openxmlformats.org/officeDocument/2006/relationships" xmlns:p="http://schemas.openxmlformats.org/presentationml/2006/main" type="objTx" preserve="1">
   <p:cSld name="Contenido con título">
     <p:spTree>
       <p:nvGrpSpPr>
@@ -10691,7 +10691,7 @@
     </p:spTree>
     <p:extLst>
       <p:ext uri="{BB962C8B-B14F-4D97-AF65-F5344CB8AC3E}">
-        <p14:creationId xmlns:p14="http://schemas.microsoft.com/office/powerpoint/2010/main" val="1608008165"/>
+        <p14:creationId xmlns:p14="http://schemas.microsoft.com/office/powerpoint/2010/main" val="1252082917"/>
       </p:ext>
     </p:extLst>
   </p:cSld>
@@ -10702,7 +10702,7 @@
 </file>
 
 <file path=ppt/slideLayouts/slideLayout9.xml><?xml version="1.0" encoding="utf-8"?>
-<p:sldLayout xmlns:a="http://schemas.openxmlformats.org/drawingml/2006/main" xmlns:r="http://schemas.openxmlformats.org/officeDocument/2006/relationships" xmlns:p="http://schemas.openxmlformats.org/presentationml/2006/main" showMasterSp="0" type="picTx" preserve="1">
+<p:sldLayout xmlns:a="http://schemas.openxmlformats.org/drawingml/2006/main" xmlns:r="http://schemas.openxmlformats.org/officeDocument/2006/relationships" xmlns:p="http://schemas.openxmlformats.org/presentationml/2006/main" type="picTx" preserve="1">
   <p:cSld name="Imagen con título">
     <p:spTree>
       <p:nvGrpSpPr>
@@ -11799,7 +11799,7 @@
     </p:spTree>
     <p:extLst>
       <p:ext uri="{BB962C8B-B14F-4D97-AF65-F5344CB8AC3E}">
-        <p14:creationId xmlns:p14="http://schemas.microsoft.com/office/powerpoint/2010/main" val="356364729"/>
+        <p14:creationId xmlns:p14="http://schemas.microsoft.com/office/powerpoint/2010/main" val="2972126592"/>
       </p:ext>
     </p:extLst>
   </p:cSld>
@@ -11813,9 +11813,15 @@
 <p:sldMaster xmlns:a="http://schemas.openxmlformats.org/drawingml/2006/main" xmlns:r="http://schemas.openxmlformats.org/officeDocument/2006/relationships" xmlns:p="http://schemas.openxmlformats.org/presentationml/2006/main">
   <p:cSld>
     <p:bg>
-      <p:bgRef idx="1001">
-        <a:schemeClr val="bg1"/>
-      </p:bgRef>
+      <p:bgPr>
+        <a:solidFill>
+          <a:schemeClr val="tx1">
+            <a:lumMod val="95000"/>
+            <a:lumOff val="5000"/>
+          </a:schemeClr>
+        </a:solidFill>
+        <a:effectLst/>
+      </p:bgPr>
     </p:bg>
     <p:spTree>
       <p:nvGrpSpPr>
@@ -12828,29 +12834,29 @@
     </p:spTree>
     <p:extLst>
       <p:ext uri="{BB962C8B-B14F-4D97-AF65-F5344CB8AC3E}">
-        <p14:creationId xmlns:p14="http://schemas.microsoft.com/office/powerpoint/2010/main" val="1968653986"/>
+        <p14:creationId xmlns:p14="http://schemas.microsoft.com/office/powerpoint/2010/main" val="1468125071"/>
       </p:ext>
     </p:extLst>
   </p:cSld>
   <p:clrMap bg1="lt1" tx1="dk1" bg2="lt2" tx2="dk2" accent1="accent1" accent2="accent2" accent3="accent3" accent4="accent4" accent5="accent5" accent6="accent6" hlink="hlink" folHlink="folHlink"/>
   <p:sldLayoutIdLst>
-    <p:sldLayoutId id="2147483661" r:id="rId1"/>
-    <p:sldLayoutId id="2147483662" r:id="rId2"/>
-    <p:sldLayoutId id="2147483663" r:id="rId3"/>
-    <p:sldLayoutId id="2147483664" r:id="rId4"/>
-    <p:sldLayoutId id="2147483665" r:id="rId5"/>
-    <p:sldLayoutId id="2147483666" r:id="rId6"/>
-    <p:sldLayoutId id="2147483667" r:id="rId7"/>
-    <p:sldLayoutId id="2147483668" r:id="rId8"/>
-    <p:sldLayoutId id="2147483669" r:id="rId9"/>
-    <p:sldLayoutId id="2147483670" r:id="rId10"/>
-    <p:sldLayoutId id="2147483671" r:id="rId11"/>
-    <p:sldLayoutId id="2147483672" r:id="rId12"/>
-    <p:sldLayoutId id="2147483673" r:id="rId13"/>
-    <p:sldLayoutId id="2147483674" r:id="rId14"/>
-    <p:sldLayoutId id="2147483675" r:id="rId15"/>
-    <p:sldLayoutId id="2147483676" r:id="rId16"/>
-    <p:sldLayoutId id="2147483677" r:id="rId17"/>
+    <p:sldLayoutId id="2147483679" r:id="rId1"/>
+    <p:sldLayoutId id="2147483680" r:id="rId2"/>
+    <p:sldLayoutId id="2147483681" r:id="rId3"/>
+    <p:sldLayoutId id="2147483682" r:id="rId4"/>
+    <p:sldLayoutId id="2147483683" r:id="rId5"/>
+    <p:sldLayoutId id="2147483684" r:id="rId6"/>
+    <p:sldLayoutId id="2147483685" r:id="rId7"/>
+    <p:sldLayoutId id="2147483686" r:id="rId8"/>
+    <p:sldLayoutId id="2147483687" r:id="rId9"/>
+    <p:sldLayoutId id="2147483688" r:id="rId10"/>
+    <p:sldLayoutId id="2147483689" r:id="rId11"/>
+    <p:sldLayoutId id="2147483690" r:id="rId12"/>
+    <p:sldLayoutId id="2147483691" r:id="rId13"/>
+    <p:sldLayoutId id="2147483692" r:id="rId14"/>
+    <p:sldLayoutId id="2147483693" r:id="rId15"/>
+    <p:sldLayoutId id="2147483694" r:id="rId16"/>
+    <p:sldLayoutId id="2147483695" r:id="rId17"/>
   </p:sldLayoutIdLst>
   <p:txStyles>
     <p:titleStyle>
@@ -13322,7 +13328,7 @@
         </p:nvSpPr>
         <p:spPr>
           <a:xfrm>
-            <a:off x="223025" y="979758"/>
+            <a:off x="0" y="979488"/>
             <a:ext cx="4849813" cy="3225800"/>
           </a:xfrm>
         </p:spPr>
@@ -13555,6 +13561,14 @@
 <file path=ppt/slides/slide10.xml><?xml version="1.0" encoding="utf-8"?>
 <p:sld xmlns:a="http://schemas.openxmlformats.org/drawingml/2006/main" xmlns:r="http://schemas.openxmlformats.org/officeDocument/2006/relationships" xmlns:p="http://schemas.openxmlformats.org/presentationml/2006/main">
   <p:cSld>
+    <p:bg>
+      <p:bgPr>
+        <a:solidFill>
+          <a:schemeClr val="bg1"/>
+        </a:solidFill>
+        <a:effectLst/>
+      </p:bgPr>
+    </p:bg>
     <p:spTree>
       <p:nvGrpSpPr>
         <p:cNvPr id="1" name=""/>
@@ -13569,6 +13583,181 @@
           <a:chExt cx="0" cy="0"/>
         </a:xfrm>
       </p:grpSpPr>
+      <p:sp>
+        <p:nvSpPr>
+          <p:cNvPr id="9" name="Rectangle 8">
+            <a:extLst>
+              <a:ext uri="{FF2B5EF4-FFF2-40B4-BE49-F238E27FC236}">
+                <a16:creationId xmlns:a16="http://schemas.microsoft.com/office/drawing/2014/main" id="{4F78DAAE-B0C3-49A3-8AB1-AD2FF0E3686F}"/>
+              </a:ext>
+              <a:ext uri="{C183D7F6-B498-43B3-948B-1728B52AA6E4}">
+                <adec:decorative xmlns:adec="http://schemas.microsoft.com/office/drawing/2017/decorative" val="1"/>
+              </a:ext>
+            </a:extLst>
+          </p:cNvPr>
+          <p:cNvSpPr>
+            <a:spLocks noGrp="1" noRot="1" noChangeAspect="1" noMove="1" noResize="1" noEditPoints="1" noAdjustHandles="1" noChangeArrowheads="1" noChangeShapeType="1" noTextEdit="1"/>
+          </p:cNvSpPr>
+          <p:nvPr>
+            <p:extLst>
+              <p:ext uri="{386F3935-93C4-4BCD-93E2-E3B085C9AB24}">
+                <p16:designElem xmlns:p16="http://schemas.microsoft.com/office/powerpoint/2015/main" val="1"/>
+              </p:ext>
+            </p:extLst>
+          </p:nvPr>
+        </p:nvSpPr>
+        <p:spPr>
+          <a:xfrm>
+            <a:off x="0" y="0"/>
+            <a:ext cx="12192000" cy="6858000"/>
+          </a:xfrm>
+          <a:prstGeom prst="rect">
+            <a:avLst/>
+          </a:prstGeom>
+          <a:ln>
+            <a:noFill/>
+          </a:ln>
+        </p:spPr>
+        <p:style>
+          <a:lnRef idx="2">
+            <a:schemeClr val="accent1">
+              <a:shade val="50000"/>
+            </a:schemeClr>
+          </a:lnRef>
+          <a:fillRef idx="1003">
+            <a:schemeClr val="dk2"/>
+          </a:fillRef>
+          <a:effectRef idx="0">
+            <a:schemeClr val="accent1"/>
+          </a:effectRef>
+          <a:fontRef idx="minor">
+            <a:schemeClr val="lt1"/>
+          </a:fontRef>
+        </p:style>
+        <p:txBody>
+          <a:bodyPr/>
+          <a:lstStyle/>
+          <a:p>
+            <a:endParaRPr lang="en-US" dirty="0"/>
+          </a:p>
+        </p:txBody>
+      </p:sp>
+      <p:sp>
+        <p:nvSpPr>
+          <p:cNvPr id="11" name="Rectangle 10">
+            <a:extLst>
+              <a:ext uri="{FF2B5EF4-FFF2-40B4-BE49-F238E27FC236}">
+                <a16:creationId xmlns:a16="http://schemas.microsoft.com/office/drawing/2014/main" id="{F6A8A81D-3338-4B0F-A26F-A3D259D27681}"/>
+              </a:ext>
+              <a:ext uri="{C183D7F6-B498-43B3-948B-1728B52AA6E4}">
+                <adec:decorative xmlns:adec="http://schemas.microsoft.com/office/drawing/2017/decorative" val="1"/>
+              </a:ext>
+            </a:extLst>
+          </p:cNvPr>
+          <p:cNvSpPr>
+            <a:spLocks noGrp="1" noRot="1" noChangeAspect="1" noMove="1" noResize="1" noEditPoints="1" noAdjustHandles="1" noChangeArrowheads="1" noChangeShapeType="1" noTextEdit="1"/>
+          </p:cNvSpPr>
+          <p:nvPr>
+            <p:extLst>
+              <p:ext uri="{386F3935-93C4-4BCD-93E2-E3B085C9AB24}">
+                <p16:designElem xmlns:p16="http://schemas.microsoft.com/office/powerpoint/2015/main" val="1"/>
+              </p:ext>
+            </p:extLst>
+          </p:nvPr>
+        </p:nvSpPr>
+        <p:spPr>
+          <a:xfrm>
+            <a:off x="643466" y="801794"/>
+            <a:ext cx="11000237" cy="5248266"/>
+          </a:xfrm>
+          <a:prstGeom prst="rect">
+            <a:avLst/>
+          </a:prstGeom>
+          <a:solidFill>
+            <a:srgbClr val="FFFFFF"/>
+          </a:solidFill>
+          <a:ln>
+            <a:noFill/>
+          </a:ln>
+        </p:spPr>
+        <p:style>
+          <a:lnRef idx="2">
+            <a:schemeClr val="accent1">
+              <a:shade val="50000"/>
+            </a:schemeClr>
+          </a:lnRef>
+          <a:fillRef idx="1">
+            <a:schemeClr val="accent1"/>
+          </a:fillRef>
+          <a:effectRef idx="0">
+            <a:schemeClr val="accent1"/>
+          </a:effectRef>
+          <a:fontRef idx="minor">
+            <a:schemeClr val="lt1"/>
+          </a:fontRef>
+        </p:style>
+        <p:txBody>
+          <a:bodyPr rtlCol="0" anchor="ctr"/>
+          <a:lstStyle/>
+          <a:p>
+            <a:pPr algn="ctr"/>
+            <a:endParaRPr lang="en-US"/>
+          </a:p>
+        </p:txBody>
+      </p:sp>
+      <p:sp>
+        <p:nvSpPr>
+          <p:cNvPr id="13" name="Rectangle 12">
+            <a:extLst>
+              <a:ext uri="{FF2B5EF4-FFF2-40B4-BE49-F238E27FC236}">
+                <a16:creationId xmlns:a16="http://schemas.microsoft.com/office/drawing/2014/main" id="{40155665-7CE2-4939-AE5E-020DC1D20753}"/>
+              </a:ext>
+              <a:ext uri="{C183D7F6-B498-43B3-948B-1728B52AA6E4}">
+                <adec:decorative xmlns:adec="http://schemas.microsoft.com/office/drawing/2017/decorative" val="1"/>
+              </a:ext>
+            </a:extLst>
+          </p:cNvPr>
+          <p:cNvSpPr>
+            <a:spLocks noGrp="1" noRot="1" noChangeAspect="1" noMove="1" noResize="1" noEditPoints="1" noAdjustHandles="1" noChangeArrowheads="1" noChangeShapeType="1" noTextEdit="1"/>
+          </p:cNvSpPr>
+          <p:nvPr>
+            <p:extLst>
+              <p:ext uri="{386F3935-93C4-4BCD-93E2-E3B085C9AB24}">
+                <p16:designElem xmlns:p16="http://schemas.microsoft.com/office/powerpoint/2015/main" val="1"/>
+              </p:ext>
+            </p:extLst>
+          </p:nvPr>
+        </p:nvSpPr>
+        <p:spPr>
+          <a:xfrm>
+            <a:off x="10437812" y="0"/>
+            <a:ext cx="685800" cy="1143000"/>
+          </a:xfrm>
+          <a:prstGeom prst="rect">
+            <a:avLst/>
+          </a:prstGeom>
+          <a:solidFill>
+            <a:schemeClr val="accent1"/>
+          </a:solidFill>
+          <a:ln>
+            <a:noFill/>
+          </a:ln>
+        </p:spPr>
+        <p:style>
+          <a:lnRef idx="1">
+            <a:schemeClr val="accent1"/>
+          </a:lnRef>
+          <a:fillRef idx="3">
+            <a:schemeClr val="accent1"/>
+          </a:fillRef>
+          <a:effectRef idx="2">
+            <a:schemeClr val="accent1"/>
+          </a:effectRef>
+          <a:fontRef idx="minor">
+            <a:schemeClr val="lt1"/>
+          </a:fontRef>
+        </p:style>
+      </p:sp>
       <p:pic>
         <p:nvPicPr>
           <p:cNvPr id="4" name="Marcador de contenido 3">
@@ -13599,8 +13788,8 @@
         </p:blipFill>
         <p:spPr>
           <a:xfrm>
-            <a:off x="0" y="889098"/>
-            <a:ext cx="12192000" cy="5079803"/>
+            <a:off x="643465" y="801794"/>
+            <a:ext cx="11000237" cy="5248266"/>
           </a:xfrm>
           <a:prstGeom prst="rect">
             <a:avLst/>
@@ -13625,8 +13814,8 @@
         </p:nvSpPr>
         <p:spPr>
           <a:xfrm>
-            <a:off x="1" y="889098"/>
-            <a:ext cx="6467706" cy="5079803"/>
+            <a:off x="310896" y="885927"/>
+            <a:ext cx="6467475" cy="5080000"/>
           </a:xfrm>
         </p:spPr>
         <p:txBody>
@@ -13664,6 +13853,22 @@
 <file path=ppt/slides/slide2.xml><?xml version="1.0" encoding="utf-8"?>
 <p:sld xmlns:a="http://schemas.openxmlformats.org/drawingml/2006/main" xmlns:r="http://schemas.openxmlformats.org/officeDocument/2006/relationships" xmlns:p="http://schemas.openxmlformats.org/presentationml/2006/main">
   <p:cSld>
+    <p:bg>
+      <p:bgPr>
+        <a:pattFill prst="pct5">
+          <a:fgClr>
+            <a:schemeClr val="tx1">
+              <a:lumMod val="95000"/>
+              <a:lumOff val="5000"/>
+            </a:schemeClr>
+          </a:fgClr>
+          <a:bgClr>
+            <a:schemeClr val="bg1"/>
+          </a:bgClr>
+        </a:pattFill>
+        <a:effectLst/>
+      </p:bgPr>
+    </p:bg>
     <p:spTree>
       <p:nvGrpSpPr>
         <p:cNvPr id="1" name=""/>
@@ -15015,12 +15220,12 @@
 <file path=ppt/theme/theme1.xml><?xml version="1.0" encoding="utf-8"?>
 <a:theme xmlns:a="http://schemas.openxmlformats.org/drawingml/2006/main" name="Sala de reuniones Ion">
   <a:themeElements>
-    <a:clrScheme name="Sala de reuniones Ion">
+    <a:clrScheme name="Personalizado 2">
       <a:dk1>
         <a:sysClr val="windowText" lastClr="000000"/>
       </a:dk1>
       <a:lt1>
-        <a:sysClr val="window" lastClr="FFFFFF"/>
+        <a:srgbClr val="7B7B7B"/>
       </a:lt1>
       <a:dk2>
         <a:srgbClr val="3B3059"/>
